--- a/downloads/Stage2-bg2分組報告.pptx
+++ b/downloads/Stage2-bg2分組報告.pptx
@@ -345,7 +345,7 @@
           <a:p>
             <a:fld id="{3166DC34-E9FC-488C-B4A1-6A026029C595}" type="datetimeFigureOut">
               <a:rPr lang="zh-TW" altLang="en-US" smtClean="0"/>
-              <a:t>2021/4/17</a:t>
+              <a:t>2021/4/20</a:t>
             </a:fld>
             <a:endParaRPr lang="zh-TW" altLang="en-US"/>
           </a:p>
@@ -553,7 +553,7 @@
           <a:p>
             <a:fld id="{3166DC34-E9FC-488C-B4A1-6A026029C595}" type="datetimeFigureOut">
               <a:rPr lang="zh-TW" altLang="en-US" smtClean="0"/>
-              <a:t>2021/4/17</a:t>
+              <a:t>2021/4/20</a:t>
             </a:fld>
             <a:endParaRPr lang="zh-TW" altLang="en-US"/>
           </a:p>
@@ -809,7 +809,7 @@
           <a:p>
             <a:fld id="{3166DC34-E9FC-488C-B4A1-6A026029C595}" type="datetimeFigureOut">
               <a:rPr lang="zh-TW" altLang="en-US" smtClean="0"/>
-              <a:t>2021/4/17</a:t>
+              <a:t>2021/4/20</a:t>
             </a:fld>
             <a:endParaRPr lang="zh-TW" altLang="en-US"/>
           </a:p>
@@ -983,7 +983,7 @@
           <a:p>
             <a:fld id="{3166DC34-E9FC-488C-B4A1-6A026029C595}" type="datetimeFigureOut">
               <a:rPr lang="zh-TW" altLang="en-US" smtClean="0"/>
-              <a:t>2021/4/17</a:t>
+              <a:t>2021/4/20</a:t>
             </a:fld>
             <a:endParaRPr lang="zh-TW" altLang="en-US"/>
           </a:p>
@@ -1326,7 +1326,7 @@
           <a:p>
             <a:fld id="{3166DC34-E9FC-488C-B4A1-6A026029C595}" type="datetimeFigureOut">
               <a:rPr lang="zh-TW" altLang="en-US" smtClean="0"/>
-              <a:t>2021/4/17</a:t>
+              <a:t>2021/4/20</a:t>
             </a:fld>
             <a:endParaRPr lang="zh-TW" altLang="en-US"/>
           </a:p>
@@ -1601,7 +1601,7 @@
           <a:p>
             <a:fld id="{3166DC34-E9FC-488C-B4A1-6A026029C595}" type="datetimeFigureOut">
               <a:rPr lang="zh-TW" altLang="en-US" smtClean="0"/>
-              <a:t>2021/4/17</a:t>
+              <a:t>2021/4/20</a:t>
             </a:fld>
             <a:endParaRPr lang="zh-TW" altLang="en-US"/>
           </a:p>
@@ -1980,7 +1980,7 @@
           <a:p>
             <a:fld id="{3166DC34-E9FC-488C-B4A1-6A026029C595}" type="datetimeFigureOut">
               <a:rPr lang="zh-TW" altLang="en-US" smtClean="0"/>
-              <a:t>2021/4/17</a:t>
+              <a:t>2021/4/20</a:t>
             </a:fld>
             <a:endParaRPr lang="zh-TW" altLang="en-US"/>
           </a:p>
@@ -2098,7 +2098,7 @@
           <a:p>
             <a:fld id="{3166DC34-E9FC-488C-B4A1-6A026029C595}" type="datetimeFigureOut">
               <a:rPr lang="zh-TW" altLang="en-US" smtClean="0"/>
-              <a:t>2021/4/17</a:t>
+              <a:t>2021/4/20</a:t>
             </a:fld>
             <a:endParaRPr lang="zh-TW" altLang="en-US"/>
           </a:p>
@@ -2269,7 +2269,7 @@
           <a:p>
             <a:fld id="{3166DC34-E9FC-488C-B4A1-6A026029C595}" type="datetimeFigureOut">
               <a:rPr lang="zh-TW" altLang="en-US" smtClean="0"/>
-              <a:t>2021/4/17</a:t>
+              <a:t>2021/4/20</a:t>
             </a:fld>
             <a:endParaRPr lang="zh-TW" altLang="en-US"/>
           </a:p>
@@ -2623,7 +2623,7 @@
           <a:p>
             <a:fld id="{3166DC34-E9FC-488C-B4A1-6A026029C595}" type="datetimeFigureOut">
               <a:rPr lang="zh-TW" altLang="en-US" smtClean="0"/>
-              <a:t>2021/4/17</a:t>
+              <a:t>2021/4/20</a:t>
             </a:fld>
             <a:endParaRPr lang="zh-TW" altLang="en-US"/>
           </a:p>
@@ -3005,7 +3005,7 @@
           <a:p>
             <a:fld id="{3166DC34-E9FC-488C-B4A1-6A026029C595}" type="datetimeFigureOut">
               <a:rPr lang="zh-TW" altLang="en-US" smtClean="0"/>
-              <a:t>2021/4/17</a:t>
+              <a:t>2021/4/20</a:t>
             </a:fld>
             <a:endParaRPr lang="zh-TW" altLang="en-US"/>
           </a:p>
@@ -3292,7 +3292,7 @@
           <a:p>
             <a:fld id="{3166DC34-E9FC-488C-B4A1-6A026029C595}" type="datetimeFigureOut">
               <a:rPr lang="zh-TW" altLang="en-US" smtClean="0"/>
-              <a:t>2021/4/17</a:t>
+              <a:t>2021/4/20</a:t>
             </a:fld>
             <a:endParaRPr lang="zh-TW" altLang="en-US"/>
           </a:p>
@@ -4225,13 +4225,26 @@
         </p:blipFill>
         <p:spPr bwMode="auto">
           <a:xfrm>
-            <a:off x="6434051" y="2088317"/>
+            <a:off x="6417425" y="2063378"/>
             <a:ext cx="4255938" cy="3830344"/>
           </a:xfrm>
           <a:prstGeom prst="rect">
             <a:avLst/>
           </a:prstGeom>
-          <a:noFill/>
+          <a:ln w="38100" cap="sq">
+            <a:solidFill>
+              <a:srgbClr val="000000"/>
+            </a:solidFill>
+            <a:prstDash val="solid"/>
+            <a:miter lim="800000"/>
+          </a:ln>
+          <a:effectLst>
+            <a:outerShdw blurRad="50800" dist="38100" dir="2700000" algn="tl" rotWithShape="0">
+              <a:srgbClr val="000000">
+                <a:alpha val="43000"/>
+              </a:srgbClr>
+            </a:outerShdw>
+          </a:effectLst>
           <a:extLst>
             <a:ext uri="{909E8E84-426E-40DD-AFC4-6F175D3DCCD1}">
               <a14:hiddenFill xmlns:a14="http://schemas.microsoft.com/office/drawing/2010/main">
@@ -4355,12 +4368,26 @@
         </p:blipFill>
         <p:spPr>
           <a:xfrm>
-            <a:off x="2992582" y="2749622"/>
+            <a:off x="3000894" y="2857687"/>
             <a:ext cx="6550429" cy="3119781"/>
           </a:xfrm>
           <a:prstGeom prst="rect">
             <a:avLst/>
           </a:prstGeom>
+          <a:ln w="38100" cap="sq">
+            <a:solidFill>
+              <a:srgbClr val="000000"/>
+            </a:solidFill>
+            <a:prstDash val="solid"/>
+            <a:miter lim="800000"/>
+          </a:ln>
+          <a:effectLst>
+            <a:outerShdw blurRad="50800" dist="38100" dir="2700000" algn="tl" rotWithShape="0">
+              <a:srgbClr val="000000">
+                <a:alpha val="43000"/>
+              </a:srgbClr>
+            </a:outerShdw>
+          </a:effectLst>
         </p:spPr>
       </p:pic>
     </p:spTree>
@@ -4500,6 +4527,20 @@
           <a:prstGeom prst="rect">
             <a:avLst/>
           </a:prstGeom>
+          <a:ln w="38100" cap="sq">
+            <a:solidFill>
+              <a:srgbClr val="000000"/>
+            </a:solidFill>
+            <a:prstDash val="solid"/>
+            <a:miter lim="800000"/>
+          </a:ln>
+          <a:effectLst>
+            <a:outerShdw blurRad="50800" dist="38100" dir="2700000" algn="tl" rotWithShape="0">
+              <a:srgbClr val="000000">
+                <a:alpha val="43000"/>
+              </a:srgbClr>
+            </a:outerShdw>
+          </a:effectLst>
         </p:spPr>
       </p:pic>
     </p:spTree>
@@ -4622,6 +4663,20 @@
           <a:prstGeom prst="rect">
             <a:avLst/>
           </a:prstGeom>
+          <a:ln w="38100" cap="sq">
+            <a:solidFill>
+              <a:srgbClr val="000000"/>
+            </a:solidFill>
+            <a:prstDash val="solid"/>
+            <a:miter lim="800000"/>
+          </a:ln>
+          <a:effectLst>
+            <a:outerShdw blurRad="50800" dist="38100" dir="2700000" algn="tl" rotWithShape="0">
+              <a:srgbClr val="000000">
+                <a:alpha val="43000"/>
+              </a:srgbClr>
+            </a:outerShdw>
+          </a:effectLst>
         </p:spPr>
       </p:pic>
     </p:spTree>
@@ -4797,9 +4852,24 @@
               <a:rPr lang="en-US" altLang="zh-TW" sz="2800" dirty="0">
                 <a:hlinkClick r:id="rId2"/>
               </a:rPr>
-              <a:t>https://www.evget.com/article/2020/8/13/37561.html</a:t>
-            </a:r>
-            <a:endParaRPr lang="zh-TW" altLang="en-US" sz="2800" dirty="0"/>
+              <a:t>https://</a:t>
+            </a:r>
+            <a:r>
+              <a:rPr lang="en-US" altLang="zh-TW" sz="2800" dirty="0" smtClean="0">
+                <a:hlinkClick r:id="rId2"/>
+              </a:rPr>
+              <a:t>www.evget.com/article/2020/8/13/37561.html</a:t>
+            </a:r>
+            <a:endParaRPr lang="en-US" altLang="zh-TW" sz="2800" dirty="0" smtClean="0"/>
+          </a:p>
+          <a:p>
+            <a:r>
+              <a:rPr lang="en-US" altLang="zh-TW" sz="2800" dirty="0">
+                <a:hlinkClick r:id="rId3"/>
+              </a:rPr>
+              <a:t>https://www.youtube.com/watch?v=s5O9_Ny9ufA</a:t>
+            </a:r>
+            <a:endParaRPr lang="en-US" altLang="zh-TW" sz="2800" dirty="0" smtClean="0"/>
           </a:p>
         </p:txBody>
       </p:sp>
